--- a/Github/Github.pptx
+++ b/Github/Github.pptx
@@ -5,15 +5,14 @@
     <p:sldMasterId id="2147483648" r:id="rId1"/>
   </p:sldMasterIdLst>
   <p:notesMasterIdLst>
-    <p:notesMasterId r:id="rId8"/>
+    <p:notesMasterId r:id="rId7"/>
   </p:notesMasterIdLst>
   <p:sldIdLst>
     <p:sldId id="262" r:id="rId2"/>
     <p:sldId id="259" r:id="rId3"/>
-    <p:sldId id="263" r:id="rId4"/>
+    <p:sldId id="260" r:id="rId4"/>
     <p:sldId id="264" r:id="rId5"/>
-    <p:sldId id="260" r:id="rId6"/>
-    <p:sldId id="258" r:id="rId7"/>
+    <p:sldId id="258" r:id="rId6"/>
   </p:sldIdLst>
   <p:sldSz cx="12192000" cy="6858000"/>
   <p:notesSz cx="6858000" cy="9144000"/>
@@ -3458,11 +3457,6 @@
               </a:rPr>
               <a:t>repository</a:t>
             </a:r>
-            <a:endParaRPr lang="en-US" sz="2600" dirty="0" smtClean="0">
-              <a:latin typeface="Calibri" charset="0"/>
-              <a:ea typeface="Calibri" charset="0"/>
-              <a:cs typeface="Calibri" charset="0"/>
-            </a:endParaRPr>
           </a:p>
           <a:p>
             <a:r>
@@ -3640,39 +3634,135 @@
           <a:chExt cx="0" cy="0"/>
         </a:xfrm>
       </p:grpSpPr>
-      <p:pic>
-        <p:nvPicPr>
-          <p:cNvPr id="6" name="Content Placeholder 5"/>
-          <p:cNvPicPr>
-            <a:picLocks noGrp="1" noChangeAspect="1"/>
-          </p:cNvPicPr>
+      <p:sp>
+        <p:nvSpPr>
+          <p:cNvPr id="2" name="Title 1"/>
+          <p:cNvSpPr>
+            <a:spLocks noGrp="1"/>
+          </p:cNvSpPr>
+          <p:nvPr>
+            <p:ph type="title"/>
+          </p:nvPr>
+        </p:nvSpPr>
+        <p:spPr/>
+        <p:txBody>
+          <a:bodyPr/>
+          <a:lstStyle/>
+          <a:p>
+            <a:r>
+              <a:rPr lang="en-US" dirty="0" smtClean="0"/>
+              <a:t>Installation</a:t>
+            </a:r>
+            <a:endParaRPr lang="en-US" dirty="0"/>
+          </a:p>
+        </p:txBody>
+      </p:sp>
+      <p:sp>
+        <p:nvSpPr>
+          <p:cNvPr id="3" name="Content Placeholder 2"/>
+          <p:cNvSpPr>
+            <a:spLocks noGrp="1"/>
+          </p:cNvSpPr>
           <p:nvPr>
             <p:ph idx="1"/>
           </p:nvPr>
-        </p:nvPicPr>
-        <p:blipFill>
-          <a:blip r:embed="rId2">
-            <a:extLst>
-              <a:ext uri="{28A0092B-C50C-407E-A947-70E740481C1C}">
-                <a14:useLocalDpi xmlns:a14="http://schemas.microsoft.com/office/drawing/2010/main" val="0"/>
-              </a:ext>
-            </a:extLst>
-          </a:blip>
-          <a:stretch>
-            <a:fillRect/>
-          </a:stretch>
-        </p:blipFill>
-        <p:spPr>
-          <a:xfrm>
-            <a:off x="1650785" y="214903"/>
-            <a:ext cx="8890431" cy="6428195"/>
-          </a:xfrm>
-        </p:spPr>
-      </p:pic>
+        </p:nvSpPr>
+        <p:spPr/>
+        <p:txBody>
+          <a:bodyPr/>
+          <a:lstStyle/>
+          <a:p>
+            <a:r>
+              <a:rPr lang="en-US" dirty="0" smtClean="0"/>
+              <a:t>Macs:</a:t>
+            </a:r>
+          </a:p>
+          <a:p>
+            <a:pPr lvl="1"/>
+            <a:r>
+              <a:rPr lang="en-US" dirty="0" smtClean="0"/>
+              <a:t>Open terminal window.</a:t>
+            </a:r>
+          </a:p>
+          <a:p>
+            <a:pPr lvl="1"/>
+            <a:r>
+              <a:rPr lang="en-US" dirty="0" smtClean="0"/>
+              <a:t>Type ‘</a:t>
+            </a:r>
+            <a:r>
+              <a:rPr lang="en-US" dirty="0" err="1" smtClean="0"/>
+              <a:t>git</a:t>
+            </a:r>
+            <a:r>
+              <a:rPr lang="en-US" dirty="0" smtClean="0"/>
+              <a:t>’</a:t>
+            </a:r>
+          </a:p>
+          <a:p>
+            <a:pPr lvl="1"/>
+            <a:r>
+              <a:rPr lang="en-US" dirty="0" smtClean="0"/>
+              <a:t>You should receive a prompt for installation</a:t>
+            </a:r>
+          </a:p>
+          <a:p>
+            <a:r>
+              <a:rPr lang="en-US" dirty="0" smtClean="0"/>
+              <a:t>Windows:</a:t>
+            </a:r>
+          </a:p>
+          <a:p>
+            <a:pPr lvl="1"/>
+            <a:r>
+              <a:rPr lang="en-US" dirty="0">
+                <a:hlinkClick r:id="rId2"/>
+              </a:rPr>
+              <a:t>http://</a:t>
+            </a:r>
+            <a:r>
+              <a:rPr lang="en-US" dirty="0" smtClean="0">
+                <a:hlinkClick r:id="rId2"/>
+              </a:rPr>
+              <a:t>git-scm.com/download/win</a:t>
+            </a:r>
+            <a:endParaRPr lang="en-US" dirty="0" smtClean="0"/>
+          </a:p>
+          <a:p>
+            <a:pPr lvl="1"/>
+            <a:r>
+              <a:rPr lang="en-US" dirty="0">
+                <a:hlinkClick r:id="rId3"/>
+              </a:rPr>
+              <a:t>http://</a:t>
+            </a:r>
+            <a:r>
+              <a:rPr lang="en-US" dirty="0" smtClean="0">
+                <a:hlinkClick r:id="rId3"/>
+              </a:rPr>
+              <a:t>windows.github.com</a:t>
+            </a:r>
+            <a:endParaRPr lang="en-US" dirty="0" smtClean="0"/>
+          </a:p>
+          <a:p>
+            <a:r>
+              <a:rPr lang="en-US" dirty="0" smtClean="0"/>
+              <a:t>More information: </a:t>
+            </a:r>
+            <a:r>
+              <a:rPr lang="en-US" dirty="0" smtClean="0">
+                <a:hlinkClick r:id="rId4"/>
+              </a:rPr>
+              <a:t>https://git-scm.com/book/en/v2/Getting-Started-Installing-Git</a:t>
+            </a:r>
+            <a:endParaRPr lang="en-US" dirty="0" smtClean="0"/>
+          </a:p>
+        </p:txBody>
+      </p:sp>
     </p:spTree>
     <p:extLst>
       <p:ext uri="{BB962C8B-B14F-4D97-AF65-F5344CB8AC3E}">
-        <p14:creationId xmlns:p14="http://schemas.microsoft.com/office/powerpoint/2010/main" val="192070296"/>
+        <p14:creationId xmlns:p14="http://schemas.microsoft.com/office/powerpoint/2010/main" val="1053765889"/>
       </p:ext>
     </p:extLst>
   </p:cSld>
@@ -3739,6 +3829,13 @@
   <p:clrMapOvr>
     <a:masterClrMapping/>
   </p:clrMapOvr>
+  <p:timing>
+    <p:tnLst>
+      <p:par>
+        <p:cTn id="1" dur="indefinite" restart="never" nodeType="tmRoot"/>
+      </p:par>
+    </p:tnLst>
+  </p:timing>
 </p:sld>
 </file>
 
@@ -3776,161 +3873,6 @@
           <a:p>
             <a:r>
               <a:rPr lang="en-US" dirty="0" smtClean="0"/>
-              <a:t>Installation</a:t>
-            </a:r>
-            <a:endParaRPr lang="en-US" dirty="0"/>
-          </a:p>
-        </p:txBody>
-      </p:sp>
-      <p:sp>
-        <p:nvSpPr>
-          <p:cNvPr id="3" name="Content Placeholder 2"/>
-          <p:cNvSpPr>
-            <a:spLocks noGrp="1"/>
-          </p:cNvSpPr>
-          <p:nvPr>
-            <p:ph idx="1"/>
-          </p:nvPr>
-        </p:nvSpPr>
-        <p:spPr/>
-        <p:txBody>
-          <a:bodyPr/>
-          <a:lstStyle/>
-          <a:p>
-            <a:r>
-              <a:rPr lang="en-US" dirty="0" smtClean="0"/>
-              <a:t>Macs:</a:t>
-            </a:r>
-          </a:p>
-          <a:p>
-            <a:pPr lvl="1"/>
-            <a:r>
-              <a:rPr lang="en-US" dirty="0" smtClean="0"/>
-              <a:t>Open terminal window.</a:t>
-            </a:r>
-          </a:p>
-          <a:p>
-            <a:pPr lvl="1"/>
-            <a:r>
-              <a:rPr lang="en-US" dirty="0" smtClean="0"/>
-              <a:t>Type ‘</a:t>
-            </a:r>
-            <a:r>
-              <a:rPr lang="en-US" dirty="0" err="1" smtClean="0"/>
-              <a:t>git</a:t>
-            </a:r>
-            <a:r>
-              <a:rPr lang="en-US" dirty="0" smtClean="0"/>
-              <a:t>’</a:t>
-            </a:r>
-          </a:p>
-          <a:p>
-            <a:pPr lvl="1"/>
-            <a:r>
-              <a:rPr lang="en-US" dirty="0" smtClean="0"/>
-              <a:t>You should receive a prompt for installation</a:t>
-            </a:r>
-          </a:p>
-          <a:p>
-            <a:r>
-              <a:rPr lang="en-US" dirty="0" smtClean="0"/>
-              <a:t>Windows:</a:t>
-            </a:r>
-          </a:p>
-          <a:p>
-            <a:pPr lvl="1"/>
-            <a:r>
-              <a:rPr lang="en-US" dirty="0">
-                <a:hlinkClick r:id="rId2"/>
-              </a:rPr>
-              <a:t>http://</a:t>
-            </a:r>
-            <a:r>
-              <a:rPr lang="en-US" dirty="0" smtClean="0">
-                <a:hlinkClick r:id="rId2"/>
-              </a:rPr>
-              <a:t>git-scm.com/download/win</a:t>
-            </a:r>
-            <a:endParaRPr lang="en-US" dirty="0" smtClean="0"/>
-          </a:p>
-          <a:p>
-            <a:pPr lvl="1"/>
-            <a:r>
-              <a:rPr lang="en-US" dirty="0">
-                <a:hlinkClick r:id="rId3"/>
-              </a:rPr>
-              <a:t>http://</a:t>
-            </a:r>
-            <a:r>
-              <a:rPr lang="en-US" dirty="0" smtClean="0">
-                <a:hlinkClick r:id="rId3"/>
-              </a:rPr>
-              <a:t>windows.github.com</a:t>
-            </a:r>
-            <a:endParaRPr lang="en-US" dirty="0" smtClean="0"/>
-          </a:p>
-          <a:p>
-            <a:r>
-              <a:rPr lang="en-US" dirty="0" smtClean="0"/>
-              <a:t>More information: </a:t>
-            </a:r>
-            <a:r>
-              <a:rPr lang="en-US" dirty="0" smtClean="0">
-                <a:hlinkClick r:id="rId4"/>
-              </a:rPr>
-              <a:t>https://git-scm.com/book/en/v2/Getting-Started-Installing-Git</a:t>
-            </a:r>
-            <a:endParaRPr lang="en-US" dirty="0" smtClean="0"/>
-          </a:p>
-        </p:txBody>
-      </p:sp>
-    </p:spTree>
-    <p:extLst>
-      <p:ext uri="{BB962C8B-B14F-4D97-AF65-F5344CB8AC3E}">
-        <p14:creationId xmlns:p14="http://schemas.microsoft.com/office/powerpoint/2010/main" val="1053765889"/>
-      </p:ext>
-    </p:extLst>
-  </p:cSld>
-  <p:clrMapOvr>
-    <a:masterClrMapping/>
-  </p:clrMapOvr>
-</p:sld>
-</file>
-
-<file path=ppt/slides/slide6.xml><?xml version="1.0" encoding="utf-8"?>
-<p:sld xmlns:a="http://schemas.openxmlformats.org/drawingml/2006/main" xmlns:r="http://schemas.openxmlformats.org/officeDocument/2006/relationships" xmlns:p="http://schemas.openxmlformats.org/presentationml/2006/main">
-  <p:cSld>
-    <p:spTree>
-      <p:nvGrpSpPr>
-        <p:cNvPr id="1" name=""/>
-        <p:cNvGrpSpPr/>
-        <p:nvPr/>
-      </p:nvGrpSpPr>
-      <p:grpSpPr>
-        <a:xfrm>
-          <a:off x="0" y="0"/>
-          <a:ext cx="0" cy="0"/>
-          <a:chOff x="0" y="0"/>
-          <a:chExt cx="0" cy="0"/>
-        </a:xfrm>
-      </p:grpSpPr>
-      <p:sp>
-        <p:nvSpPr>
-          <p:cNvPr id="2" name="Title 1"/>
-          <p:cNvSpPr>
-            <a:spLocks noGrp="1"/>
-          </p:cNvSpPr>
-          <p:nvPr>
-            <p:ph type="title"/>
-          </p:nvPr>
-        </p:nvSpPr>
-        <p:spPr/>
-        <p:txBody>
-          <a:bodyPr/>
-          <a:lstStyle/>
-          <a:p>
-            <a:r>
-              <a:rPr lang="en-US" dirty="0" smtClean="0"/>
               <a:t>Available help and guides:</a:t>
             </a:r>
             <a:endParaRPr lang="en-US" dirty="0"/>
@@ -4036,6 +3978,13 @@
   <p:clrMapOvr>
     <a:masterClrMapping/>
   </p:clrMapOvr>
+  <p:timing>
+    <p:tnLst>
+      <p:par>
+        <p:cTn id="1" dur="indefinite" restart="never" nodeType="tmRoot"/>
+      </p:par>
+    </p:tnLst>
+  </p:timing>
 </p:sld>
 </file>
 
